--- a/演讲ppt/软件改进与展示.pptx
+++ b/演讲ppt/软件改进与展示.pptx
@@ -11,10 +11,10 @@
     <p:sldMasterId id="2147483715" r:id="rId7"/>
   </p:sldMasterIdLst>
   <p:notesMasterIdLst>
-    <p:notesMasterId r:id="rId18"/>
+    <p:notesMasterId r:id="rId23"/>
   </p:notesMasterIdLst>
   <p:handoutMasterIdLst>
-    <p:handoutMasterId r:id="rId19"/>
+    <p:handoutMasterId r:id="rId24"/>
   </p:handoutMasterIdLst>
   <p:sldIdLst>
     <p:sldId id="256" r:id="rId8"/>
@@ -23,10 +23,15 @@
     <p:sldId id="266" r:id="rId11"/>
     <p:sldId id="267" r:id="rId12"/>
     <p:sldId id="272" r:id="rId13"/>
-    <p:sldId id="268" r:id="rId14"/>
-    <p:sldId id="269" r:id="rId15"/>
-    <p:sldId id="270" r:id="rId16"/>
-    <p:sldId id="264" r:id="rId17"/>
+    <p:sldId id="274" r:id="rId14"/>
+    <p:sldId id="268" r:id="rId15"/>
+    <p:sldId id="269" r:id="rId16"/>
+    <p:sldId id="270" r:id="rId17"/>
+    <p:sldId id="273" r:id="rId18"/>
+    <p:sldId id="275" r:id="rId19"/>
+    <p:sldId id="277" r:id="rId20"/>
+    <p:sldId id="276" r:id="rId21"/>
+    <p:sldId id="264" r:id="rId22"/>
   </p:sldIdLst>
   <p:sldSz cx="9144000" cy="6858000" type="screen4x3"/>
   <p:notesSz cx="6858000" cy="9144000"/>
@@ -240,7 +245,7 @@
           <a:p>
             <a:fld id="{9116C6AF-FD90-4A9A-AA56-1638DDA81D7C}" type="datetimeFigureOut">
               <a:rPr lang="zh-CN" altLang="en-US" smtClean="0"/>
-              <a:t>2016/4/15</a:t>
+              <a:t>2016/4/20</a:t>
             </a:fld>
             <a:endParaRPr lang="zh-CN" altLang="en-US"/>
           </a:p>
@@ -375,7 +380,7 @@
           <a:p>
             <a:fld id="{F22C0324-277F-4FC8-AE87-CF27A3B5CB7F}" type="datetimeFigureOut">
               <a:rPr lang="zh-CN" altLang="en-US" smtClean="0"/>
-              <a:t>2016/4/15</a:t>
+              <a:t>2016/4/20</a:t>
             </a:fld>
             <a:endParaRPr lang="zh-CN" altLang="en-US"/>
           </a:p>
@@ -22556,28 +22561,14 @@
                 <a:latin typeface="+mj-ea"/>
                 <a:ea typeface="+mj-ea"/>
               </a:rPr>
-              <a:t>-</a:t>
-            </a:r>
-            <a:r>
-              <a:rPr lang="en-US" altLang="zh-CN" dirty="0" smtClean="0">
-                <a:latin typeface="+mj-ea"/>
-                <a:ea typeface="+mj-ea"/>
-              </a:rPr>
-              <a:t>Spring</a:t>
+              <a:t>-Spring</a:t>
             </a:r>
             <a:r>
               <a:rPr lang="zh-CN" altLang="en-US" dirty="0" smtClean="0">
                 <a:latin typeface="+mj-ea"/>
                 <a:ea typeface="+mj-ea"/>
               </a:rPr>
-              <a:t>改进</a:t>
-            </a:r>
-            <a:r>
-              <a:rPr lang="zh-CN" altLang="en-US" dirty="0" smtClean="0">
-                <a:latin typeface="+mj-ea"/>
-                <a:ea typeface="+mj-ea"/>
-              </a:rPr>
-              <a:t>与展示方案</a:t>
+              <a:t>改进与展示方案</a:t>
             </a:r>
             <a:endParaRPr lang="zh-CN" altLang="en-US" dirty="0">
               <a:latin typeface="+mj-ea"/>
@@ -22788,6 +22779,885 @@
 </file>
 
 <file path=ppt/slides/slide10.xml><?xml version="1.0" encoding="utf-8"?>
+<p:sld xmlns:a="http://schemas.openxmlformats.org/drawingml/2006/main" xmlns:r="http://schemas.openxmlformats.org/officeDocument/2006/relationships" xmlns:p="http://schemas.openxmlformats.org/presentationml/2006/main">
+  <p:cSld>
+    <p:spTree>
+      <p:nvGrpSpPr>
+        <p:cNvPr id="1" name=""/>
+        <p:cNvGrpSpPr/>
+        <p:nvPr/>
+      </p:nvGrpSpPr>
+      <p:grpSpPr>
+        <a:xfrm>
+          <a:off x="0" y="0"/>
+          <a:ext cx="0" cy="0"/>
+          <a:chOff x="0" y="0"/>
+          <a:chExt cx="0" cy="0"/>
+        </a:xfrm>
+      </p:grpSpPr>
+      <p:sp>
+        <p:nvSpPr>
+          <p:cNvPr id="2" name="标题 1"/>
+          <p:cNvSpPr>
+            <a:spLocks noGrp="1"/>
+          </p:cNvSpPr>
+          <p:nvPr>
+            <p:ph type="title"/>
+          </p:nvPr>
+        </p:nvSpPr>
+        <p:spPr/>
+        <p:txBody>
+          <a:bodyPr/>
+          <a:lstStyle/>
+          <a:p>
+            <a:r>
+              <a:rPr lang="zh-CN" altLang="en-US" dirty="0" smtClean="0"/>
+              <a:t>接口设计</a:t>
+            </a:r>
+            <a:endParaRPr lang="zh-CN" altLang="en-US" dirty="0"/>
+          </a:p>
+        </p:txBody>
+      </p:sp>
+      <p:sp>
+        <p:nvSpPr>
+          <p:cNvPr id="3" name="内容占位符 2"/>
+          <p:cNvSpPr>
+            <a:spLocks noGrp="1"/>
+          </p:cNvSpPr>
+          <p:nvPr>
+            <p:ph idx="1"/>
+          </p:nvPr>
+        </p:nvSpPr>
+        <p:spPr/>
+        <p:txBody>
+          <a:bodyPr/>
+          <a:lstStyle/>
+          <a:p>
+            <a:r>
+              <a:rPr lang="zh-CN" altLang="en-US" dirty="0" smtClean="0"/>
+              <a:t>（</a:t>
+            </a:r>
+            <a:r>
+              <a:rPr lang="en-US" altLang="zh-CN" dirty="0" smtClean="0"/>
+              <a:t>3</a:t>
+            </a:r>
+            <a:r>
+              <a:rPr lang="zh-CN" altLang="en-US" dirty="0" smtClean="0"/>
+              <a:t>）</a:t>
+            </a:r>
+            <a:r>
+              <a:rPr lang="en-US" altLang="zh-CN" dirty="0" err="1" smtClean="0"/>
+              <a:t>DataContext</a:t>
+            </a:r>
+            <a:r>
+              <a:rPr lang="zh-CN" altLang="en-US" dirty="0"/>
+              <a:t>的</a:t>
+            </a:r>
+            <a:r>
+              <a:rPr lang="zh-CN" altLang="en-US" dirty="0" smtClean="0"/>
+              <a:t>接口</a:t>
+            </a:r>
+            <a:endParaRPr lang="en-US" altLang="zh-CN" dirty="0" smtClean="0"/>
+          </a:p>
+          <a:p>
+            <a:r>
+              <a:rPr lang="en-US" altLang="zh-CN" dirty="0" err="1"/>
+              <a:t>IDataContext</a:t>
+            </a:r>
+            <a:r>
+              <a:rPr lang="zh-CN" altLang="en-US" dirty="0"/>
+              <a:t>定义了存储区域应该有的方法，两个实现，</a:t>
+            </a:r>
+            <a:r>
+              <a:rPr lang="en-US" altLang="zh-CN" dirty="0" err="1"/>
+              <a:t>DefaultBeanDefinitionContext</a:t>
+            </a:r>
+            <a:r>
+              <a:rPr lang="zh-CN" altLang="en-US" dirty="0"/>
+              <a:t>是服务提供者描述信息存储的默认实现；</a:t>
+            </a:r>
+            <a:r>
+              <a:rPr lang="en-US" altLang="zh-CN" dirty="0" err="1"/>
+              <a:t>DefaultBeanCacheContext</a:t>
+            </a:r>
+            <a:r>
+              <a:rPr lang="zh-CN" altLang="en-US" dirty="0"/>
+              <a:t>是服务提供者实例存储的</a:t>
+            </a:r>
+            <a:r>
+              <a:rPr lang="zh-CN" altLang="en-US" dirty="0" smtClean="0"/>
+              <a:t>默认实现。</a:t>
+            </a:r>
+            <a:endParaRPr lang="zh-CN" altLang="en-US" dirty="0"/>
+          </a:p>
+        </p:txBody>
+      </p:sp>
+      <p:pic>
+        <p:nvPicPr>
+          <p:cNvPr id="5" name="图片 4"/>
+          <p:cNvPicPr>
+            <a:picLocks noChangeAspect="1"/>
+          </p:cNvPicPr>
+          <p:nvPr/>
+        </p:nvPicPr>
+        <p:blipFill>
+          <a:blip r:embed="rId2"/>
+          <a:stretch>
+            <a:fillRect/>
+          </a:stretch>
+        </p:blipFill>
+        <p:spPr>
+          <a:xfrm>
+            <a:off x="1043608" y="4293096"/>
+            <a:ext cx="7292504" cy="1258441"/>
+          </a:xfrm>
+          <a:prstGeom prst="rect">
+            <a:avLst/>
+          </a:prstGeom>
+        </p:spPr>
+      </p:pic>
+    </p:spTree>
+    <p:extLst>
+      <p:ext uri="{BB962C8B-B14F-4D97-AF65-F5344CB8AC3E}">
+        <p14:creationId xmlns:p14="http://schemas.microsoft.com/office/powerpoint/2010/main" val="1189848775"/>
+      </p:ext>
+    </p:extLst>
+  </p:cSld>
+  <p:clrMapOvr>
+    <a:masterClrMapping/>
+  </p:clrMapOvr>
+  <p:transition/>
+  <p:timing>
+    <p:tnLst>
+      <p:par>
+        <p:cTn id="1" dur="indefinite" restart="never" nodeType="tmRoot">
+          <p:childTnLst>
+            <p:seq concurrent="1" nextAc="seek">
+              <p:cTn id="2" dur="indefinite" nodeType="mainSeq">
+                <p:childTnLst>
+                  <p:par>
+                    <p:cTn id="3" fill="hold">
+                      <p:stCondLst>
+                        <p:cond delay="indefinite"/>
+                      </p:stCondLst>
+                      <p:childTnLst>
+                        <p:par>
+                          <p:cTn id="4" fill="hold">
+                            <p:stCondLst>
+                              <p:cond delay="0"/>
+                            </p:stCondLst>
+                            <p:childTnLst>
+                              <p:par>
+                                <p:cTn id="5" presetID="1" presetClass="entr" presetSubtype="0" fill="hold" nodeType="clickEffect">
+                                  <p:stCondLst>
+                                    <p:cond delay="0"/>
+                                  </p:stCondLst>
+                                  <p:childTnLst>
+                                    <p:set>
+                                      <p:cBhvr>
+                                        <p:cTn id="6" dur="1" fill="hold">
+                                          <p:stCondLst>
+                                            <p:cond delay="0"/>
+                                          </p:stCondLst>
+                                        </p:cTn>
+                                        <p:tgtEl>
+                                          <p:spTgt spid="3">
+                                            <p:txEl>
+                                              <p:pRg st="0" end="0"/>
+                                            </p:txEl>
+                                          </p:spTgt>
+                                        </p:tgtEl>
+                                        <p:attrNameLst>
+                                          <p:attrName>style.visibility</p:attrName>
+                                        </p:attrNameLst>
+                                      </p:cBhvr>
+                                      <p:to>
+                                        <p:strVal val="visible"/>
+                                      </p:to>
+                                    </p:set>
+                                  </p:childTnLst>
+                                </p:cTn>
+                              </p:par>
+                            </p:childTnLst>
+                          </p:cTn>
+                        </p:par>
+                      </p:childTnLst>
+                    </p:cTn>
+                  </p:par>
+                  <p:par>
+                    <p:cTn id="7" fill="hold">
+                      <p:stCondLst>
+                        <p:cond delay="indefinite"/>
+                      </p:stCondLst>
+                      <p:childTnLst>
+                        <p:par>
+                          <p:cTn id="8" fill="hold">
+                            <p:stCondLst>
+                              <p:cond delay="0"/>
+                            </p:stCondLst>
+                            <p:childTnLst>
+                              <p:par>
+                                <p:cTn id="9" presetID="1" presetClass="entr" presetSubtype="0" fill="hold" nodeType="clickEffect">
+                                  <p:stCondLst>
+                                    <p:cond delay="0"/>
+                                  </p:stCondLst>
+                                  <p:childTnLst>
+                                    <p:set>
+                                      <p:cBhvr>
+                                        <p:cTn id="10" dur="1" fill="hold">
+                                          <p:stCondLst>
+                                            <p:cond delay="0"/>
+                                          </p:stCondLst>
+                                        </p:cTn>
+                                        <p:tgtEl>
+                                          <p:spTgt spid="3">
+                                            <p:txEl>
+                                              <p:pRg st="1" end="1"/>
+                                            </p:txEl>
+                                          </p:spTgt>
+                                        </p:tgtEl>
+                                        <p:attrNameLst>
+                                          <p:attrName>style.visibility</p:attrName>
+                                        </p:attrNameLst>
+                                      </p:cBhvr>
+                                      <p:to>
+                                        <p:strVal val="visible"/>
+                                      </p:to>
+                                    </p:set>
+                                  </p:childTnLst>
+                                </p:cTn>
+                              </p:par>
+                            </p:childTnLst>
+                          </p:cTn>
+                        </p:par>
+                      </p:childTnLst>
+                    </p:cTn>
+                  </p:par>
+                </p:childTnLst>
+              </p:cTn>
+              <p:prevCondLst>
+                <p:cond evt="onPrev" delay="0">
+                  <p:tgtEl>
+                    <p:sldTgt/>
+                  </p:tgtEl>
+                </p:cond>
+              </p:prevCondLst>
+              <p:nextCondLst>
+                <p:cond evt="onNext" delay="0">
+                  <p:tgtEl>
+                    <p:sldTgt/>
+                  </p:tgtEl>
+                </p:cond>
+              </p:nextCondLst>
+            </p:seq>
+          </p:childTnLst>
+        </p:cTn>
+      </p:par>
+    </p:tnLst>
+  </p:timing>
+</p:sld>
+</file>
+
+<file path=ppt/slides/slide11.xml><?xml version="1.0" encoding="utf-8"?>
+<p:sld xmlns:a="http://schemas.openxmlformats.org/drawingml/2006/main" xmlns:r="http://schemas.openxmlformats.org/officeDocument/2006/relationships" xmlns:p="http://schemas.openxmlformats.org/presentationml/2006/main">
+  <p:cSld>
+    <p:spTree>
+      <p:nvGrpSpPr>
+        <p:cNvPr id="1" name=""/>
+        <p:cNvGrpSpPr/>
+        <p:nvPr/>
+      </p:nvGrpSpPr>
+      <p:grpSpPr>
+        <a:xfrm>
+          <a:off x="0" y="0"/>
+          <a:ext cx="0" cy="0"/>
+          <a:chOff x="0" y="0"/>
+          <a:chExt cx="0" cy="0"/>
+        </a:xfrm>
+      </p:grpSpPr>
+      <p:sp>
+        <p:nvSpPr>
+          <p:cNvPr id="2" name="标题 1"/>
+          <p:cNvSpPr>
+            <a:spLocks noGrp="1"/>
+          </p:cNvSpPr>
+          <p:nvPr>
+            <p:ph type="title"/>
+          </p:nvPr>
+        </p:nvSpPr>
+        <p:spPr/>
+        <p:txBody>
+          <a:bodyPr/>
+          <a:lstStyle/>
+          <a:p>
+            <a:r>
+              <a:rPr lang="zh-CN" altLang="en-US" dirty="0" smtClean="0"/>
+              <a:t>接口设计</a:t>
+            </a:r>
+            <a:endParaRPr lang="zh-CN" altLang="en-US" dirty="0"/>
+          </a:p>
+        </p:txBody>
+      </p:sp>
+      <p:sp>
+        <p:nvSpPr>
+          <p:cNvPr id="3" name="内容占位符 2"/>
+          <p:cNvSpPr>
+            <a:spLocks noGrp="1"/>
+          </p:cNvSpPr>
+          <p:nvPr>
+            <p:ph idx="1"/>
+          </p:nvPr>
+        </p:nvSpPr>
+        <p:spPr/>
+        <p:txBody>
+          <a:bodyPr/>
+          <a:lstStyle/>
+          <a:p>
+            <a:r>
+              <a:rPr lang="zh-CN" altLang="en-US" dirty="0" smtClean="0"/>
+              <a:t>（</a:t>
+            </a:r>
+            <a:r>
+              <a:rPr lang="en-US" altLang="zh-CN" dirty="0" smtClean="0"/>
+              <a:t>4</a:t>
+            </a:r>
+            <a:r>
+              <a:rPr lang="zh-CN" altLang="en-US" dirty="0" smtClean="0"/>
+              <a:t>）</a:t>
+            </a:r>
+            <a:r>
+              <a:rPr lang="en-US" altLang="zh-CN" dirty="0" smtClean="0"/>
+              <a:t>Handler</a:t>
+            </a:r>
+            <a:r>
+              <a:rPr lang="zh-CN" altLang="en-US" dirty="0" smtClean="0"/>
+              <a:t>接口</a:t>
+            </a:r>
+          </a:p>
+          <a:p>
+            <a:pPr marL="0" indent="0">
+              <a:buNone/>
+            </a:pPr>
+            <a:endParaRPr lang="zh-CN" altLang="en-US" dirty="0"/>
+          </a:p>
+        </p:txBody>
+      </p:sp>
+      <p:pic>
+        <p:nvPicPr>
+          <p:cNvPr id="4" name="图片 3"/>
+          <p:cNvPicPr>
+            <a:picLocks noChangeAspect="1"/>
+          </p:cNvPicPr>
+          <p:nvPr/>
+        </p:nvPicPr>
+        <p:blipFill>
+          <a:blip r:embed="rId2"/>
+          <a:stretch>
+            <a:fillRect/>
+          </a:stretch>
+        </p:blipFill>
+        <p:spPr>
+          <a:xfrm>
+            <a:off x="971601" y="1988841"/>
+            <a:ext cx="3240360" cy="1824404"/>
+          </a:xfrm>
+          <a:prstGeom prst="rect">
+            <a:avLst/>
+          </a:prstGeom>
+        </p:spPr>
+      </p:pic>
+      <p:sp>
+        <p:nvSpPr>
+          <p:cNvPr id="5" name="文本框 4"/>
+          <p:cNvSpPr txBox="1"/>
+          <p:nvPr/>
+        </p:nvSpPr>
+        <p:spPr>
+          <a:xfrm>
+            <a:off x="971601" y="4149080"/>
+            <a:ext cx="7200799" cy="1477328"/>
+          </a:xfrm>
+          <a:prstGeom prst="rect">
+            <a:avLst/>
+          </a:prstGeom>
+          <a:noFill/>
+        </p:spPr>
+        <p:txBody>
+          <a:bodyPr wrap="square" rtlCol="0">
+            <a:spAutoFit/>
+          </a:bodyPr>
+          <a:lstStyle/>
+          <a:p>
+            <a:r>
+              <a:rPr lang="zh-CN" altLang="en-US" dirty="0"/>
+              <a:t>这里采用了一个装饰者模式，默认提供了一个注解装饰者</a:t>
+            </a:r>
+            <a:r>
+              <a:rPr lang="en-US" altLang="zh-CN" dirty="0" err="1"/>
+              <a:t>DefaultAnnotationHandler</a:t>
+            </a:r>
+            <a:r>
+              <a:rPr lang="zh-CN" altLang="en-US" dirty="0"/>
+              <a:t>，来把元数据中注解信息转换为服务提供者定义信息。其他开发者可继承</a:t>
+            </a:r>
+            <a:r>
+              <a:rPr lang="en-US" altLang="zh-CN" dirty="0" err="1"/>
+              <a:t>HandlerDecorator</a:t>
+            </a:r>
+            <a:r>
+              <a:rPr lang="zh-CN" altLang="en-US" dirty="0"/>
+              <a:t>，来实现自己的装饰者，例如把</a:t>
+            </a:r>
+            <a:r>
+              <a:rPr lang="en-US" altLang="zh-CN" dirty="0"/>
+              <a:t>xml</a:t>
+            </a:r>
+            <a:r>
+              <a:rPr lang="zh-CN" altLang="en-US" dirty="0"/>
+              <a:t>信息转换为服务提供者定义信息的</a:t>
+            </a:r>
+            <a:r>
+              <a:rPr lang="en-US" altLang="zh-CN" dirty="0" err="1"/>
+              <a:t>Xmlhandler</a:t>
+            </a:r>
+            <a:r>
+              <a:rPr lang="zh-CN" altLang="en-US" dirty="0"/>
+              <a:t>。工厂会依次实现这些装饰者解析元数据。这是扩展点四。</a:t>
+            </a:r>
+          </a:p>
+        </p:txBody>
+      </p:sp>
+    </p:spTree>
+    <p:extLst>
+      <p:ext uri="{BB962C8B-B14F-4D97-AF65-F5344CB8AC3E}">
+        <p14:creationId xmlns:p14="http://schemas.microsoft.com/office/powerpoint/2010/main" val="1317713226"/>
+      </p:ext>
+    </p:extLst>
+  </p:cSld>
+  <p:clrMapOvr>
+    <a:masterClrMapping/>
+  </p:clrMapOvr>
+  <p:transition/>
+  <p:timing>
+    <p:tnLst>
+      <p:par>
+        <p:cTn id="1" dur="indefinite" restart="never" nodeType="tmRoot"/>
+      </p:par>
+    </p:tnLst>
+  </p:timing>
+</p:sld>
+</file>
+
+<file path=ppt/slides/slide12.xml><?xml version="1.0" encoding="utf-8"?>
+<p:sld xmlns:a="http://schemas.openxmlformats.org/drawingml/2006/main" xmlns:r="http://schemas.openxmlformats.org/officeDocument/2006/relationships" xmlns:p="http://schemas.openxmlformats.org/presentationml/2006/main">
+  <p:cSld>
+    <p:spTree>
+      <p:nvGrpSpPr>
+        <p:cNvPr id="1" name=""/>
+        <p:cNvGrpSpPr/>
+        <p:nvPr/>
+      </p:nvGrpSpPr>
+      <p:grpSpPr>
+        <a:xfrm>
+          <a:off x="0" y="0"/>
+          <a:ext cx="0" cy="0"/>
+          <a:chOff x="0" y="0"/>
+          <a:chExt cx="0" cy="0"/>
+        </a:xfrm>
+      </p:grpSpPr>
+      <p:sp>
+        <p:nvSpPr>
+          <p:cNvPr id="2" name="标题 1"/>
+          <p:cNvSpPr>
+            <a:spLocks noGrp="1"/>
+          </p:cNvSpPr>
+          <p:nvPr>
+            <p:ph type="title"/>
+          </p:nvPr>
+        </p:nvSpPr>
+        <p:spPr/>
+        <p:txBody>
+          <a:bodyPr/>
+          <a:lstStyle/>
+          <a:p>
+            <a:r>
+              <a:rPr lang="zh-CN" altLang="en-US" dirty="0" smtClean="0"/>
+              <a:t>接口设计</a:t>
+            </a:r>
+            <a:endParaRPr lang="zh-CN" altLang="en-US" dirty="0"/>
+          </a:p>
+        </p:txBody>
+      </p:sp>
+      <p:sp>
+        <p:nvSpPr>
+          <p:cNvPr id="3" name="内容占位符 2"/>
+          <p:cNvSpPr>
+            <a:spLocks noGrp="1"/>
+          </p:cNvSpPr>
+          <p:nvPr>
+            <p:ph idx="1"/>
+          </p:nvPr>
+        </p:nvSpPr>
+        <p:spPr/>
+        <p:txBody>
+          <a:bodyPr/>
+          <a:lstStyle/>
+          <a:p>
+            <a:r>
+              <a:rPr lang="zh-CN" altLang="en-US" dirty="0"/>
+              <a:t>（</a:t>
+            </a:r>
+            <a:r>
+              <a:rPr lang="en-US" altLang="zh-CN" dirty="0"/>
+              <a:t>5</a:t>
+            </a:r>
+            <a:r>
+              <a:rPr lang="zh-CN" altLang="en-US" dirty="0"/>
+              <a:t>）</a:t>
+            </a:r>
+            <a:r>
+              <a:rPr lang="en-US" altLang="zh-CN" dirty="0"/>
+              <a:t>Annotation</a:t>
+            </a:r>
+          </a:p>
+          <a:p>
+            <a:pPr marL="0" indent="0">
+              <a:buNone/>
+            </a:pPr>
+            <a:r>
+              <a:rPr lang="zh-CN" altLang="en-US" dirty="0"/>
+              <a:t>这里提供了三个注解来描述服务提供者的元数据，</a:t>
+            </a:r>
+            <a:r>
+              <a:rPr lang="en-US" altLang="zh-CN" dirty="0"/>
+              <a:t>handler</a:t>
+            </a:r>
+            <a:r>
+              <a:rPr lang="zh-CN" altLang="en-US" dirty="0"/>
+              <a:t>据此将元数据转换为服务提供者定义信息。其他开发者可扩展该</a:t>
+            </a:r>
+            <a:r>
+              <a:rPr lang="en-US" altLang="zh-CN" dirty="0"/>
+              <a:t>Annotation</a:t>
+            </a:r>
+            <a:r>
+              <a:rPr lang="zh-CN" altLang="en-US" dirty="0"/>
+              <a:t>，实现自己的</a:t>
+            </a:r>
+            <a:r>
+              <a:rPr lang="en-US" altLang="zh-CN" dirty="0"/>
+              <a:t>Annotation</a:t>
+            </a:r>
+            <a:r>
+              <a:rPr lang="zh-CN" altLang="en-US" dirty="0"/>
+              <a:t>，然后自定义解析的</a:t>
+            </a:r>
+            <a:r>
+              <a:rPr lang="en-US" altLang="zh-CN" dirty="0"/>
+              <a:t>handler</a:t>
+            </a:r>
+            <a:r>
+              <a:rPr lang="zh-CN" altLang="en-US" dirty="0"/>
+              <a:t>，重写</a:t>
+            </a:r>
+            <a:r>
+              <a:rPr lang="en-US" altLang="zh-CN" dirty="0"/>
+              <a:t>factory</a:t>
+            </a:r>
+            <a:r>
+              <a:rPr lang="zh-CN" altLang="en-US" dirty="0"/>
+              <a:t>的</a:t>
+            </a:r>
+            <a:r>
+              <a:rPr lang="en-US" altLang="zh-CN" dirty="0" err="1"/>
+              <a:t>createBean</a:t>
+            </a:r>
+            <a:r>
+              <a:rPr lang="zh-CN" altLang="en-US" dirty="0"/>
+              <a:t>方法即可。这是扩展点五。</a:t>
+            </a:r>
+          </a:p>
+        </p:txBody>
+      </p:sp>
+    </p:spTree>
+    <p:extLst>
+      <p:ext uri="{BB962C8B-B14F-4D97-AF65-F5344CB8AC3E}">
+        <p14:creationId xmlns:p14="http://schemas.microsoft.com/office/powerpoint/2010/main" val="1483872489"/>
+      </p:ext>
+    </p:extLst>
+  </p:cSld>
+  <p:clrMapOvr>
+    <a:masterClrMapping/>
+  </p:clrMapOvr>
+  <p:transition/>
+  <p:timing>
+    <p:tnLst>
+      <p:par>
+        <p:cTn id="1" dur="indefinite" restart="never" nodeType="tmRoot"/>
+      </p:par>
+    </p:tnLst>
+  </p:timing>
+</p:sld>
+</file>
+
+<file path=ppt/slides/slide13.xml><?xml version="1.0" encoding="utf-8"?>
+<p:sld xmlns:a="http://schemas.openxmlformats.org/drawingml/2006/main" xmlns:r="http://schemas.openxmlformats.org/officeDocument/2006/relationships" xmlns:p="http://schemas.openxmlformats.org/presentationml/2006/main">
+  <p:cSld>
+    <p:spTree>
+      <p:nvGrpSpPr>
+        <p:cNvPr id="1" name=""/>
+        <p:cNvGrpSpPr/>
+        <p:nvPr/>
+      </p:nvGrpSpPr>
+      <p:grpSpPr>
+        <a:xfrm>
+          <a:off x="0" y="0"/>
+          <a:ext cx="0" cy="0"/>
+          <a:chOff x="0" y="0"/>
+          <a:chExt cx="0" cy="0"/>
+        </a:xfrm>
+      </p:grpSpPr>
+      <p:sp>
+        <p:nvSpPr>
+          <p:cNvPr id="2" name="标题 1"/>
+          <p:cNvSpPr>
+            <a:spLocks noGrp="1"/>
+          </p:cNvSpPr>
+          <p:nvPr>
+            <p:ph type="title"/>
+          </p:nvPr>
+        </p:nvSpPr>
+        <p:spPr/>
+        <p:txBody>
+          <a:bodyPr/>
+          <a:lstStyle/>
+          <a:p>
+            <a:endParaRPr lang="zh-CN" altLang="en-US"/>
+          </a:p>
+        </p:txBody>
+      </p:sp>
+      <p:sp>
+        <p:nvSpPr>
+          <p:cNvPr id="3" name="内容占位符 2"/>
+          <p:cNvSpPr>
+            <a:spLocks noGrp="1"/>
+          </p:cNvSpPr>
+          <p:nvPr>
+            <p:ph idx="1"/>
+          </p:nvPr>
+        </p:nvSpPr>
+        <p:spPr/>
+        <p:txBody>
+          <a:bodyPr/>
+          <a:lstStyle/>
+          <a:p>
+            <a:r>
+              <a:rPr lang="zh-CN" altLang="en-US" dirty="0"/>
+              <a:t>（</a:t>
+            </a:r>
+            <a:r>
+              <a:rPr lang="en-US" altLang="zh-CN" dirty="0"/>
+              <a:t>6</a:t>
+            </a:r>
+            <a:r>
+              <a:rPr lang="zh-CN" altLang="en-US" dirty="0"/>
+              <a:t>）定义数据结构，存储服务定义信息</a:t>
+            </a:r>
+          </a:p>
+          <a:p>
+            <a:pPr marL="0" indent="0">
+              <a:buNone/>
+            </a:pPr>
+            <a:endParaRPr lang="zh-CN" altLang="en-US" dirty="0"/>
+          </a:p>
+        </p:txBody>
+      </p:sp>
+      <p:pic>
+        <p:nvPicPr>
+          <p:cNvPr id="4" name="图片 3"/>
+          <p:cNvPicPr>
+            <a:picLocks noChangeAspect="1"/>
+          </p:cNvPicPr>
+          <p:nvPr/>
+        </p:nvPicPr>
+        <p:blipFill>
+          <a:blip r:embed="rId2"/>
+          <a:stretch>
+            <a:fillRect/>
+          </a:stretch>
+        </p:blipFill>
+        <p:spPr>
+          <a:xfrm>
+            <a:off x="1187624" y="2132856"/>
+            <a:ext cx="5095875" cy="1219200"/>
+          </a:xfrm>
+          <a:prstGeom prst="rect">
+            <a:avLst/>
+          </a:prstGeom>
+        </p:spPr>
+      </p:pic>
+    </p:spTree>
+    <p:extLst>
+      <p:ext uri="{BB962C8B-B14F-4D97-AF65-F5344CB8AC3E}">
+        <p14:creationId xmlns:p14="http://schemas.microsoft.com/office/powerpoint/2010/main" val="1831880960"/>
+      </p:ext>
+    </p:extLst>
+  </p:cSld>
+  <p:clrMapOvr>
+    <a:masterClrMapping/>
+  </p:clrMapOvr>
+  <p:transition/>
+  <p:timing>
+    <p:tnLst>
+      <p:par>
+        <p:cTn id="1" dur="indefinite" restart="never" nodeType="tmRoot"/>
+      </p:par>
+    </p:tnLst>
+  </p:timing>
+</p:sld>
+</file>
+
+<file path=ppt/slides/slide14.xml><?xml version="1.0" encoding="utf-8"?>
+<p:sld xmlns:a="http://schemas.openxmlformats.org/drawingml/2006/main" xmlns:r="http://schemas.openxmlformats.org/officeDocument/2006/relationships" xmlns:p="http://schemas.openxmlformats.org/presentationml/2006/main">
+  <p:cSld>
+    <p:spTree>
+      <p:nvGrpSpPr>
+        <p:cNvPr id="1" name=""/>
+        <p:cNvGrpSpPr/>
+        <p:nvPr/>
+      </p:nvGrpSpPr>
+      <p:grpSpPr>
+        <a:xfrm>
+          <a:off x="0" y="0"/>
+          <a:ext cx="0" cy="0"/>
+          <a:chOff x="0" y="0"/>
+          <a:chExt cx="0" cy="0"/>
+        </a:xfrm>
+      </p:grpSpPr>
+      <p:sp>
+        <p:nvSpPr>
+          <p:cNvPr id="2" name="标题 1"/>
+          <p:cNvSpPr>
+            <a:spLocks noGrp="1"/>
+          </p:cNvSpPr>
+          <p:nvPr>
+            <p:ph type="title"/>
+          </p:nvPr>
+        </p:nvSpPr>
+        <p:spPr/>
+        <p:txBody>
+          <a:bodyPr/>
+          <a:lstStyle/>
+          <a:p>
+            <a:r>
+              <a:rPr lang="zh-CN" altLang="en-US" dirty="0" smtClean="0"/>
+              <a:t>接口设计</a:t>
+            </a:r>
+            <a:endParaRPr lang="zh-CN" altLang="en-US" dirty="0"/>
+          </a:p>
+        </p:txBody>
+      </p:sp>
+      <p:sp>
+        <p:nvSpPr>
+          <p:cNvPr id="3" name="内容占位符 2"/>
+          <p:cNvSpPr>
+            <a:spLocks noGrp="1"/>
+          </p:cNvSpPr>
+          <p:nvPr>
+            <p:ph idx="1"/>
+          </p:nvPr>
+        </p:nvSpPr>
+        <p:spPr/>
+        <p:txBody>
+          <a:bodyPr/>
+          <a:lstStyle/>
+          <a:p>
+            <a:r>
+              <a:rPr lang="zh-CN" altLang="en-US" dirty="0"/>
+              <a:t>（</a:t>
+            </a:r>
+            <a:r>
+              <a:rPr lang="en-US" altLang="zh-CN" dirty="0"/>
+              <a:t>7</a:t>
+            </a:r>
+            <a:r>
+              <a:rPr lang="zh-CN" altLang="en-US" dirty="0"/>
+              <a:t>）反射</a:t>
+            </a:r>
+            <a:r>
+              <a:rPr lang="en-US" altLang="zh-CN" dirty="0" err="1"/>
+              <a:t>Util</a:t>
+            </a:r>
+            <a:r>
+              <a:rPr lang="zh-CN" altLang="en-US" dirty="0"/>
+              <a:t>，热加载监听器</a:t>
+            </a:r>
+          </a:p>
+          <a:p>
+            <a:pPr marL="0" indent="0">
+              <a:buNone/>
+            </a:pPr>
+            <a:r>
+              <a:rPr lang="zh-CN" altLang="en-US" dirty="0" smtClean="0"/>
+              <a:t>放射</a:t>
+            </a:r>
+            <a:r>
+              <a:rPr lang="en-US" altLang="zh-CN" dirty="0" err="1" smtClean="0"/>
+              <a:t>Util</a:t>
+            </a:r>
+            <a:r>
+              <a:rPr lang="zh-CN" altLang="en-US" dirty="0" smtClean="0"/>
+              <a:t>是</a:t>
+            </a:r>
+            <a:r>
+              <a:rPr lang="en-US" altLang="zh-CN" dirty="0"/>
+              <a:t>Java</a:t>
+            </a:r>
+            <a:r>
+              <a:rPr lang="zh-CN" altLang="en-US" dirty="0"/>
+              <a:t>反射的工具类，封装了一些反射常用</a:t>
+            </a:r>
+            <a:r>
+              <a:rPr lang="zh-CN" altLang="en-US" dirty="0" smtClean="0"/>
+              <a:t>方法</a:t>
+            </a:r>
+            <a:r>
+              <a:rPr lang="en-US" altLang="zh-CN" dirty="0" smtClean="0"/>
+              <a:t>,</a:t>
+            </a:r>
+            <a:r>
+              <a:rPr lang="zh-CN" altLang="en-US" dirty="0" smtClean="0"/>
+              <a:t>监听器将</a:t>
+            </a:r>
+            <a:r>
+              <a:rPr lang="zh-CN" altLang="en-US" dirty="0"/>
+              <a:t>监听某个位置，如果加入新的服务提供者元数据，将被容器热加载。</a:t>
+            </a:r>
+          </a:p>
+        </p:txBody>
+      </p:sp>
+    </p:spTree>
+    <p:extLst>
+      <p:ext uri="{BB962C8B-B14F-4D97-AF65-F5344CB8AC3E}">
+        <p14:creationId xmlns:p14="http://schemas.microsoft.com/office/powerpoint/2010/main" val="853708594"/>
+      </p:ext>
+    </p:extLst>
+  </p:cSld>
+  <p:clrMapOvr>
+    <a:masterClrMapping/>
+  </p:clrMapOvr>
+  <p:transition/>
+  <p:timing>
+    <p:tnLst>
+      <p:par>
+        <p:cTn id="1" dur="indefinite" restart="never" nodeType="tmRoot"/>
+      </p:par>
+    </p:tnLst>
+  </p:timing>
+</p:sld>
+</file>
+
+<file path=ppt/slides/slide15.xml><?xml version="1.0" encoding="utf-8"?>
 <p:sld xmlns:a="http://schemas.openxmlformats.org/drawingml/2006/main" xmlns:r="http://schemas.openxmlformats.org/officeDocument/2006/relationships" xmlns:p="http://schemas.openxmlformats.org/presentationml/2006/main">
   <p:cSld>
     <p:spTree>
@@ -23507,7 +24377,6 @@
               <a:rPr lang="zh-CN" altLang="en-US" dirty="0"/>
               <a:t>更像一个百货商场，你要什么，它都有，充分发挥拿来主义。</a:t>
             </a:r>
-            <a:endParaRPr lang="zh-CN" altLang="en-US" dirty="0"/>
           </a:p>
         </p:txBody>
       </p:sp>
@@ -23823,15 +24692,7 @@
             </a:r>
             <a:r>
               <a:rPr lang="zh-CN" altLang="en-US" dirty="0" smtClean="0"/>
-              <a:t>）调用服务者</a:t>
-            </a:r>
-            <a:r>
-              <a:rPr lang="zh-CN" altLang="en-US" dirty="0" smtClean="0"/>
-              <a:t>提供的</a:t>
-            </a:r>
-            <a:r>
-              <a:rPr lang="zh-CN" altLang="en-US" dirty="0" smtClean="0"/>
-              <a:t>方法</a:t>
+              <a:t>）调用服务者提供的方法</a:t>
             </a:r>
             <a:endParaRPr lang="en-US" altLang="zh-CN" dirty="0" smtClean="0"/>
           </a:p>
@@ -24378,6 +25239,258 @@
           <a:lstStyle/>
           <a:p>
             <a:r>
+              <a:rPr lang="zh-CN" altLang="en-US" dirty="0"/>
+              <a:t>（</a:t>
+            </a:r>
+            <a:r>
+              <a:rPr lang="en-US" altLang="zh-CN" dirty="0"/>
+              <a:t>1</a:t>
+            </a:r>
+            <a:r>
+              <a:rPr lang="zh-CN" altLang="en-US" dirty="0"/>
+              <a:t>）</a:t>
+            </a:r>
+            <a:r>
+              <a:rPr lang="en-US" altLang="zh-CN" dirty="0"/>
+              <a:t>Container</a:t>
+            </a:r>
+            <a:r>
+              <a:rPr lang="zh-CN" altLang="en-US" dirty="0" smtClean="0"/>
+              <a:t>接口</a:t>
+            </a:r>
+            <a:endParaRPr lang="en-US" altLang="zh-CN" dirty="0" smtClean="0"/>
+          </a:p>
+          <a:p>
+            <a:r>
+              <a:rPr lang="zh-CN" altLang="en-US" dirty="0"/>
+              <a:t>（</a:t>
+            </a:r>
+            <a:r>
+              <a:rPr lang="en-US" altLang="zh-CN" dirty="0"/>
+              <a:t>2</a:t>
+            </a:r>
+            <a:r>
+              <a:rPr lang="zh-CN" altLang="en-US" dirty="0"/>
+              <a:t>）</a:t>
+            </a:r>
+            <a:r>
+              <a:rPr lang="en-US" altLang="zh-CN" dirty="0"/>
+              <a:t>Factory</a:t>
+            </a:r>
+            <a:r>
+              <a:rPr lang="zh-CN" altLang="en-US" dirty="0" smtClean="0"/>
+              <a:t>接口</a:t>
+            </a:r>
+            <a:endParaRPr lang="en-US" altLang="zh-CN" dirty="0" smtClean="0"/>
+          </a:p>
+          <a:p>
+            <a:r>
+              <a:rPr lang="zh-CN" altLang="en-US" dirty="0"/>
+              <a:t>（</a:t>
+            </a:r>
+            <a:r>
+              <a:rPr lang="en-US" altLang="zh-CN" dirty="0"/>
+              <a:t>3</a:t>
+            </a:r>
+            <a:r>
+              <a:rPr lang="zh-CN" altLang="en-US" dirty="0"/>
+              <a:t>）</a:t>
+            </a:r>
+            <a:r>
+              <a:rPr lang="en-US" altLang="zh-CN" dirty="0" err="1"/>
+              <a:t>DataContext</a:t>
+            </a:r>
+            <a:r>
+              <a:rPr lang="zh-CN" altLang="en-US" dirty="0"/>
+              <a:t>的</a:t>
+            </a:r>
+            <a:r>
+              <a:rPr lang="zh-CN" altLang="en-US" dirty="0" smtClean="0"/>
+              <a:t>接口</a:t>
+            </a:r>
+            <a:endParaRPr lang="en-US" altLang="zh-CN" dirty="0" smtClean="0"/>
+          </a:p>
+          <a:p>
+            <a:r>
+              <a:rPr lang="zh-CN" altLang="en-US" dirty="0"/>
+              <a:t>（</a:t>
+            </a:r>
+            <a:r>
+              <a:rPr lang="en-US" altLang="zh-CN" dirty="0"/>
+              <a:t>4</a:t>
+            </a:r>
+            <a:r>
+              <a:rPr lang="zh-CN" altLang="en-US" dirty="0"/>
+              <a:t>）</a:t>
+            </a:r>
+            <a:r>
+              <a:rPr lang="en-US" altLang="zh-CN" dirty="0"/>
+              <a:t>Handler</a:t>
+            </a:r>
+            <a:r>
+              <a:rPr lang="zh-CN" altLang="en-US" dirty="0" smtClean="0"/>
+              <a:t>接口</a:t>
+            </a:r>
+            <a:endParaRPr lang="en-US" altLang="zh-CN" dirty="0" smtClean="0"/>
+          </a:p>
+          <a:p>
+            <a:r>
+              <a:rPr lang="zh-CN" altLang="en-US" dirty="0"/>
+              <a:t>（</a:t>
+            </a:r>
+            <a:r>
+              <a:rPr lang="en-US" altLang="zh-CN" dirty="0"/>
+              <a:t>5</a:t>
+            </a:r>
+            <a:r>
+              <a:rPr lang="zh-CN" altLang="en-US" dirty="0"/>
+              <a:t>）</a:t>
+            </a:r>
+            <a:r>
+              <a:rPr lang="en-US" altLang="zh-CN" dirty="0" smtClean="0"/>
+              <a:t>Annotation</a:t>
+            </a:r>
+          </a:p>
+          <a:p>
+            <a:r>
+              <a:rPr lang="zh-CN" altLang="en-US" dirty="0" smtClean="0"/>
+              <a:t>（</a:t>
+            </a:r>
+            <a:r>
+              <a:rPr lang="en-US" altLang="zh-CN" dirty="0" smtClean="0"/>
+              <a:t>6</a:t>
+            </a:r>
+            <a:r>
+              <a:rPr lang="zh-CN" altLang="en-US" dirty="0" smtClean="0"/>
+              <a:t>）</a:t>
+            </a:r>
+            <a:r>
+              <a:rPr lang="zh-CN" altLang="en-US" dirty="0"/>
+              <a:t>定义数据结构，存储服务定义</a:t>
+            </a:r>
+            <a:r>
+              <a:rPr lang="zh-CN" altLang="en-US" dirty="0" smtClean="0"/>
+              <a:t>信息</a:t>
+            </a:r>
+            <a:endParaRPr lang="en-US" altLang="zh-CN" dirty="0" smtClean="0"/>
+          </a:p>
+          <a:p>
+            <a:r>
+              <a:rPr lang="zh-CN" altLang="en-US" dirty="0" smtClean="0"/>
+              <a:t>（</a:t>
+            </a:r>
+            <a:r>
+              <a:rPr lang="en-US" altLang="zh-CN" dirty="0"/>
+              <a:t>7</a:t>
+            </a:r>
+            <a:r>
+              <a:rPr lang="zh-CN" altLang="en-US" dirty="0" smtClean="0"/>
+              <a:t>）</a:t>
+            </a:r>
+            <a:r>
+              <a:rPr lang="zh-CN" altLang="en-US" dirty="0"/>
+              <a:t>反射</a:t>
+            </a:r>
+            <a:r>
+              <a:rPr lang="en-US" altLang="zh-CN" dirty="0" err="1" smtClean="0"/>
+              <a:t>Util</a:t>
+            </a:r>
+            <a:r>
+              <a:rPr lang="zh-CN" altLang="en-US" dirty="0"/>
+              <a:t>，热加载监听器</a:t>
+            </a:r>
+          </a:p>
+        </p:txBody>
+      </p:sp>
+    </p:spTree>
+    <p:extLst>
+      <p:ext uri="{BB962C8B-B14F-4D97-AF65-F5344CB8AC3E}">
+        <p14:creationId xmlns:p14="http://schemas.microsoft.com/office/powerpoint/2010/main" val="1523728582"/>
+      </p:ext>
+    </p:extLst>
+  </p:cSld>
+  <p:clrMapOvr>
+    <a:masterClrMapping/>
+  </p:clrMapOvr>
+  <p:transition/>
+  <p:timing>
+    <p:tnLst>
+      <p:par>
+        <p:cTn id="1" dur="indefinite" restart="never" nodeType="tmRoot"/>
+      </p:par>
+    </p:tnLst>
+  </p:timing>
+</p:sld>
+</file>
+
+<file path=ppt/slides/slide8.xml><?xml version="1.0" encoding="utf-8"?>
+<p:sld xmlns:a="http://schemas.openxmlformats.org/drawingml/2006/main" xmlns:r="http://schemas.openxmlformats.org/officeDocument/2006/relationships" xmlns:p="http://schemas.openxmlformats.org/presentationml/2006/main">
+  <p:cSld>
+    <p:spTree>
+      <p:nvGrpSpPr>
+        <p:cNvPr id="1" name=""/>
+        <p:cNvGrpSpPr/>
+        <p:nvPr/>
+      </p:nvGrpSpPr>
+      <p:grpSpPr>
+        <a:xfrm>
+          <a:off x="0" y="0"/>
+          <a:ext cx="0" cy="0"/>
+          <a:chOff x="0" y="0"/>
+          <a:chExt cx="0" cy="0"/>
+        </a:xfrm>
+      </p:grpSpPr>
+      <p:sp>
+        <p:nvSpPr>
+          <p:cNvPr id="2" name="标题 1"/>
+          <p:cNvSpPr>
+            <a:spLocks noGrp="1"/>
+          </p:cNvSpPr>
+          <p:nvPr>
+            <p:ph type="title"/>
+          </p:nvPr>
+        </p:nvSpPr>
+        <p:spPr/>
+        <p:txBody>
+          <a:bodyPr/>
+          <a:lstStyle/>
+          <a:p>
+            <a:r>
+              <a:rPr lang="zh-CN" altLang="en-US" dirty="0" smtClean="0"/>
+              <a:t>接口设计</a:t>
+            </a:r>
+            <a:endParaRPr lang="zh-CN" altLang="en-US" dirty="0"/>
+          </a:p>
+        </p:txBody>
+      </p:sp>
+      <p:sp>
+        <p:nvSpPr>
+          <p:cNvPr id="3" name="内容占位符 2"/>
+          <p:cNvSpPr>
+            <a:spLocks noGrp="1"/>
+          </p:cNvSpPr>
+          <p:nvPr>
+            <p:ph idx="1"/>
+          </p:nvPr>
+        </p:nvSpPr>
+        <p:spPr/>
+        <p:txBody>
+          <a:bodyPr/>
+          <a:lstStyle/>
+          <a:p>
+            <a:r>
+              <a:rPr lang="zh-CN" altLang="en-US" dirty="0" smtClean="0"/>
+              <a:t>（</a:t>
+            </a:r>
+            <a:r>
+              <a:rPr lang="en-US" altLang="zh-CN" dirty="0" smtClean="0"/>
+              <a:t>1</a:t>
+            </a:r>
+            <a:r>
+              <a:rPr lang="zh-CN" altLang="en-US" dirty="0" smtClean="0"/>
+              <a:t>）</a:t>
+            </a:r>
+            <a:r>
               <a:rPr lang="en-US" altLang="zh-CN" dirty="0" smtClean="0"/>
               <a:t>Container</a:t>
             </a:r>
@@ -24589,7 +25702,7 @@
 </p:sld>
 </file>
 
-<file path=ppt/slides/slide8.xml><?xml version="1.0" encoding="utf-8"?>
+<file path=ppt/slides/slide9.xml><?xml version="1.0" encoding="utf-8"?>
 <p:sld xmlns:a="http://schemas.openxmlformats.org/drawingml/2006/main" xmlns:r="http://schemas.openxmlformats.org/officeDocument/2006/relationships" xmlns:p="http://schemas.openxmlformats.org/presentationml/2006/main">
   <p:cSld>
     <p:spTree>
@@ -24645,7 +25758,19 @@
           <a:lstStyle/>
           <a:p>
             <a:r>
-              <a:rPr lang="en-US" altLang="zh-CN" dirty="0"/>
+              <a:rPr lang="zh-CN" altLang="en-US" dirty="0" smtClean="0"/>
+              <a:t>（</a:t>
+            </a:r>
+            <a:r>
+              <a:rPr lang="en-US" altLang="zh-CN" dirty="0" smtClean="0"/>
+              <a:t>2</a:t>
+            </a:r>
+            <a:r>
+              <a:rPr lang="zh-CN" altLang="en-US" dirty="0" smtClean="0"/>
+              <a:t>）</a:t>
+            </a:r>
+            <a:r>
+              <a:rPr lang="en-US" altLang="zh-CN" dirty="0" smtClean="0"/>
               <a:t>Factory</a:t>
             </a:r>
             <a:r>
@@ -24661,15 +25786,7 @@
             </a:r>
             <a:r>
               <a:rPr lang="zh-CN" altLang="en-US" dirty="0"/>
-              <a:t>定义</a:t>
-            </a:r>
-            <a:r>
-              <a:rPr lang="zh-CN" altLang="en-US" dirty="0"/>
-              <a:t>了初始化服务定义信息和获取服务提供者实例两个模板方法，定义了算法的骨架。模板方法依赖的方法的实现交给子类去</a:t>
-            </a:r>
-            <a:r>
-              <a:rPr lang="zh-CN" altLang="en-US" dirty="0"/>
-              <a:t>完成</a:t>
+              <a:t>定义了初始化服务定义信息和获取服务提供者实例两个模板方法，定义了算法的骨架。模板方法依赖的方法的实现交给子类去完成</a:t>
             </a:r>
             <a:r>
               <a:rPr lang="zh-CN" altLang="en-US" b="0" dirty="0"/>
@@ -24713,274 +25830,6 @@
     <p:extLst>
       <p:ext uri="{BB962C8B-B14F-4D97-AF65-F5344CB8AC3E}">
         <p14:creationId xmlns:p14="http://schemas.microsoft.com/office/powerpoint/2010/main" val="1813566823"/>
-      </p:ext>
-    </p:extLst>
-  </p:cSld>
-  <p:clrMapOvr>
-    <a:masterClrMapping/>
-  </p:clrMapOvr>
-  <p:transition/>
-  <p:timing>
-    <p:tnLst>
-      <p:par>
-        <p:cTn id="1" dur="indefinite" restart="never" nodeType="tmRoot">
-          <p:childTnLst>
-            <p:seq concurrent="1" nextAc="seek">
-              <p:cTn id="2" dur="indefinite" nodeType="mainSeq">
-                <p:childTnLst>
-                  <p:par>
-                    <p:cTn id="3" fill="hold">
-                      <p:stCondLst>
-                        <p:cond delay="indefinite"/>
-                      </p:stCondLst>
-                      <p:childTnLst>
-                        <p:par>
-                          <p:cTn id="4" fill="hold">
-                            <p:stCondLst>
-                              <p:cond delay="0"/>
-                            </p:stCondLst>
-                            <p:childTnLst>
-                              <p:par>
-                                <p:cTn id="5" presetID="1" presetClass="entr" presetSubtype="0" fill="hold" nodeType="clickEffect">
-                                  <p:stCondLst>
-                                    <p:cond delay="0"/>
-                                  </p:stCondLst>
-                                  <p:childTnLst>
-                                    <p:set>
-                                      <p:cBhvr>
-                                        <p:cTn id="6" dur="1" fill="hold">
-                                          <p:stCondLst>
-                                            <p:cond delay="0"/>
-                                          </p:stCondLst>
-                                        </p:cTn>
-                                        <p:tgtEl>
-                                          <p:spTgt spid="3">
-                                            <p:txEl>
-                                              <p:pRg st="0" end="0"/>
-                                            </p:txEl>
-                                          </p:spTgt>
-                                        </p:tgtEl>
-                                        <p:attrNameLst>
-                                          <p:attrName>style.visibility</p:attrName>
-                                        </p:attrNameLst>
-                                      </p:cBhvr>
-                                      <p:to>
-                                        <p:strVal val="visible"/>
-                                      </p:to>
-                                    </p:set>
-                                  </p:childTnLst>
-                                </p:cTn>
-                              </p:par>
-                            </p:childTnLst>
-                          </p:cTn>
-                        </p:par>
-                      </p:childTnLst>
-                    </p:cTn>
-                  </p:par>
-                  <p:par>
-                    <p:cTn id="7" fill="hold">
-                      <p:stCondLst>
-                        <p:cond delay="indefinite"/>
-                      </p:stCondLst>
-                      <p:childTnLst>
-                        <p:par>
-                          <p:cTn id="8" fill="hold">
-                            <p:stCondLst>
-                              <p:cond delay="0"/>
-                            </p:stCondLst>
-                            <p:childTnLst>
-                              <p:par>
-                                <p:cTn id="9" presetID="1" presetClass="entr" presetSubtype="0" fill="hold" nodeType="clickEffect">
-                                  <p:stCondLst>
-                                    <p:cond delay="0"/>
-                                  </p:stCondLst>
-                                  <p:childTnLst>
-                                    <p:set>
-                                      <p:cBhvr>
-                                        <p:cTn id="10" dur="1" fill="hold">
-                                          <p:stCondLst>
-                                            <p:cond delay="0"/>
-                                          </p:stCondLst>
-                                        </p:cTn>
-                                        <p:tgtEl>
-                                          <p:spTgt spid="3">
-                                            <p:txEl>
-                                              <p:pRg st="1" end="1"/>
-                                            </p:txEl>
-                                          </p:spTgt>
-                                        </p:tgtEl>
-                                        <p:attrNameLst>
-                                          <p:attrName>style.visibility</p:attrName>
-                                        </p:attrNameLst>
-                                      </p:cBhvr>
-                                      <p:to>
-                                        <p:strVal val="visible"/>
-                                      </p:to>
-                                    </p:set>
-                                  </p:childTnLst>
-                                </p:cTn>
-                              </p:par>
-                            </p:childTnLst>
-                          </p:cTn>
-                        </p:par>
-                      </p:childTnLst>
-                    </p:cTn>
-                  </p:par>
-                </p:childTnLst>
-              </p:cTn>
-              <p:prevCondLst>
-                <p:cond evt="onPrev" delay="0">
-                  <p:tgtEl>
-                    <p:sldTgt/>
-                  </p:tgtEl>
-                </p:cond>
-              </p:prevCondLst>
-              <p:nextCondLst>
-                <p:cond evt="onNext" delay="0">
-                  <p:tgtEl>
-                    <p:sldTgt/>
-                  </p:tgtEl>
-                </p:cond>
-              </p:nextCondLst>
-            </p:seq>
-          </p:childTnLst>
-        </p:cTn>
-      </p:par>
-    </p:tnLst>
-  </p:timing>
-</p:sld>
-</file>
-
-<file path=ppt/slides/slide9.xml><?xml version="1.0" encoding="utf-8"?>
-<p:sld xmlns:a="http://schemas.openxmlformats.org/drawingml/2006/main" xmlns:r="http://schemas.openxmlformats.org/officeDocument/2006/relationships" xmlns:p="http://schemas.openxmlformats.org/presentationml/2006/main">
-  <p:cSld>
-    <p:spTree>
-      <p:nvGrpSpPr>
-        <p:cNvPr id="1" name=""/>
-        <p:cNvGrpSpPr/>
-        <p:nvPr/>
-      </p:nvGrpSpPr>
-      <p:grpSpPr>
-        <a:xfrm>
-          <a:off x="0" y="0"/>
-          <a:ext cx="0" cy="0"/>
-          <a:chOff x="0" y="0"/>
-          <a:chExt cx="0" cy="0"/>
-        </a:xfrm>
-      </p:grpSpPr>
-      <p:sp>
-        <p:nvSpPr>
-          <p:cNvPr id="2" name="标题 1"/>
-          <p:cNvSpPr>
-            <a:spLocks noGrp="1"/>
-          </p:cNvSpPr>
-          <p:nvPr>
-            <p:ph type="title"/>
-          </p:nvPr>
-        </p:nvSpPr>
-        <p:spPr/>
-        <p:txBody>
-          <a:bodyPr/>
-          <a:lstStyle/>
-          <a:p>
-            <a:r>
-              <a:rPr lang="zh-CN" altLang="en-US" dirty="0" smtClean="0"/>
-              <a:t>接口设计</a:t>
-            </a:r>
-            <a:endParaRPr lang="zh-CN" altLang="en-US" dirty="0"/>
-          </a:p>
-        </p:txBody>
-      </p:sp>
-      <p:sp>
-        <p:nvSpPr>
-          <p:cNvPr id="3" name="内容占位符 2"/>
-          <p:cNvSpPr>
-            <a:spLocks noGrp="1"/>
-          </p:cNvSpPr>
-          <p:nvPr>
-            <p:ph idx="1"/>
-          </p:nvPr>
-        </p:nvSpPr>
-        <p:spPr/>
-        <p:txBody>
-          <a:bodyPr/>
-          <a:lstStyle/>
-          <a:p>
-            <a:r>
-              <a:rPr lang="en-US" altLang="zh-CN" dirty="0" err="1"/>
-              <a:t>DataContext</a:t>
-            </a:r>
-            <a:r>
-              <a:rPr lang="zh-CN" altLang="en-US" dirty="0"/>
-              <a:t>的</a:t>
-            </a:r>
-            <a:r>
-              <a:rPr lang="zh-CN" altLang="en-US" dirty="0" smtClean="0"/>
-              <a:t>接口</a:t>
-            </a:r>
-            <a:endParaRPr lang="en-US" altLang="zh-CN" dirty="0" smtClean="0"/>
-          </a:p>
-          <a:p>
-            <a:r>
-              <a:rPr lang="en-US" altLang="zh-CN" dirty="0" err="1"/>
-              <a:t>IDataContext</a:t>
-            </a:r>
-            <a:r>
-              <a:rPr lang="zh-CN" altLang="en-US" dirty="0"/>
-              <a:t>定义了存储区域应该有的方法，两个实现，</a:t>
-            </a:r>
-            <a:r>
-              <a:rPr lang="en-US" altLang="zh-CN" dirty="0" err="1"/>
-              <a:t>DefaultBeanDefinitionContext</a:t>
-            </a:r>
-            <a:r>
-              <a:rPr lang="zh-CN" altLang="en-US" dirty="0"/>
-              <a:t>是服务提供者描述信息存储的默认实现；</a:t>
-            </a:r>
-            <a:r>
-              <a:rPr lang="en-US" altLang="zh-CN" dirty="0" err="1"/>
-              <a:t>DefaultBeanCacheContext</a:t>
-            </a:r>
-            <a:r>
-              <a:rPr lang="zh-CN" altLang="en-US" dirty="0"/>
-              <a:t>是服务提供者实例存储的</a:t>
-            </a:r>
-            <a:r>
-              <a:rPr lang="zh-CN" altLang="en-US" dirty="0" smtClean="0"/>
-              <a:t>默认实现。</a:t>
-            </a:r>
-            <a:endParaRPr lang="zh-CN" altLang="en-US" dirty="0"/>
-          </a:p>
-        </p:txBody>
-      </p:sp>
-      <p:pic>
-        <p:nvPicPr>
-          <p:cNvPr id="5" name="图片 4"/>
-          <p:cNvPicPr>
-            <a:picLocks noChangeAspect="1"/>
-          </p:cNvPicPr>
-          <p:nvPr/>
-        </p:nvPicPr>
-        <p:blipFill>
-          <a:blip r:embed="rId2"/>
-          <a:stretch>
-            <a:fillRect/>
-          </a:stretch>
-        </p:blipFill>
-        <p:spPr>
-          <a:xfrm>
-            <a:off x="1043608" y="4293096"/>
-            <a:ext cx="7292504" cy="1258441"/>
-          </a:xfrm>
-          <a:prstGeom prst="rect">
-            <a:avLst/>
-          </a:prstGeom>
-        </p:spPr>
-      </p:pic>
-    </p:spTree>
-    <p:extLst>
-      <p:ext uri="{BB962C8B-B14F-4D97-AF65-F5344CB8AC3E}">
-        <p14:creationId xmlns:p14="http://schemas.microsoft.com/office/powerpoint/2010/main" val="1189848775"/>
       </p:ext>
     </p:extLst>
   </p:cSld>
